--- a/ppt 16-9/0292.求主来到我们中.pptx
+++ b/ppt 16-9/0292.求主来到我们中.pptx
@@ -5,7 +5,7 @@
     <p:sldMasterId id="2147483648" r:id="rId1"/>
   </p:sldMasterIdLst>
   <p:sldIdLst>
-    <p:sldId id="3165" r:id="rId2"/>
+    <p:sldId id="3167" r:id="rId2"/>
   </p:sldIdLst>
   <p:sldSz cx="12192000" cy="6858000"/>
   <p:notesSz cx="6858000" cy="9144000"/>
@@ -129,7 +129,7 @@
           <p:cNvPr id="2" name="标题 1">
             <a:extLst>
               <a:ext uri="{FF2B5EF4-FFF2-40B4-BE49-F238E27FC236}">
-                <a16:creationId xmlns:a16="http://schemas.microsoft.com/office/drawing/2014/main" id="{D3D39AE2-4E60-9450-5DD4-4C680785857A}"/>
+                <a16:creationId xmlns:a16="http://schemas.microsoft.com/office/drawing/2014/main" id="{E1EF69F9-D7DC-ED60-F25E-A826908AC082}"/>
               </a:ext>
             </a:extLst>
           </p:cNvPr>
@@ -166,7 +166,7 @@
           <p:cNvPr id="3" name="副标题 2">
             <a:extLst>
               <a:ext uri="{FF2B5EF4-FFF2-40B4-BE49-F238E27FC236}">
-                <a16:creationId xmlns:a16="http://schemas.microsoft.com/office/drawing/2014/main" id="{F29054FA-1CD6-5BA3-CF1D-26D0E41E6CB5}"/>
+                <a16:creationId xmlns:a16="http://schemas.microsoft.com/office/drawing/2014/main" id="{99D0B040-702D-3C08-8185-556239FA7261}"/>
               </a:ext>
             </a:extLst>
           </p:cNvPr>
@@ -236,7 +236,7 @@
           <p:cNvPr id="4" name="日期占位符 3">
             <a:extLst>
               <a:ext uri="{FF2B5EF4-FFF2-40B4-BE49-F238E27FC236}">
-                <a16:creationId xmlns:a16="http://schemas.microsoft.com/office/drawing/2014/main" id="{F62B969A-ED1E-7B57-8A29-1C7C61255954}"/>
+                <a16:creationId xmlns:a16="http://schemas.microsoft.com/office/drawing/2014/main" id="{BFF30CDF-081C-36F1-EE55-EBD35CB34815}"/>
               </a:ext>
             </a:extLst>
           </p:cNvPr>
@@ -252,7 +252,7 @@
           <a:bodyPr/>
           <a:lstStyle/>
           <a:p>
-            <a:fld id="{66C82A9A-6D95-4FDD-B330-054DA9C04926}" type="datetimeFigureOut">
+            <a:fld id="{0B41451B-61CA-4037-A55A-BA0025659104}" type="datetimeFigureOut">
               <a:rPr lang="zh-CN" altLang="en-US" smtClean="0"/>
               <a:t>2024/3/10</a:t>
             </a:fld>
@@ -265,7 +265,7 @@
           <p:cNvPr id="5" name="页脚占位符 4">
             <a:extLst>
               <a:ext uri="{FF2B5EF4-FFF2-40B4-BE49-F238E27FC236}">
-                <a16:creationId xmlns:a16="http://schemas.microsoft.com/office/drawing/2014/main" id="{A5A61426-8961-D0D1-7F7F-A45F50025F2F}"/>
+                <a16:creationId xmlns:a16="http://schemas.microsoft.com/office/drawing/2014/main" id="{BE2E5B35-4C93-7729-9A8E-0EF9D600E004}"/>
               </a:ext>
             </a:extLst>
           </p:cNvPr>
@@ -290,7 +290,7 @@
           <p:cNvPr id="6" name="灯片编号占位符 5">
             <a:extLst>
               <a:ext uri="{FF2B5EF4-FFF2-40B4-BE49-F238E27FC236}">
-                <a16:creationId xmlns:a16="http://schemas.microsoft.com/office/drawing/2014/main" id="{46960276-A483-9BED-31B1-E40E2509B68D}"/>
+                <a16:creationId xmlns:a16="http://schemas.microsoft.com/office/drawing/2014/main" id="{05E53724-3864-2DB1-26DD-882FD36579A9}"/>
               </a:ext>
             </a:extLst>
           </p:cNvPr>
@@ -306,7 +306,7 @@
           <a:bodyPr/>
           <a:lstStyle/>
           <a:p>
-            <a:fld id="{E04F1C37-F79E-4410-AE5D-228AAD5CBBE2}" type="slidenum">
+            <a:fld id="{C2C4F7C5-E125-4F0D-82BC-CC9FDB2B3265}" type="slidenum">
               <a:rPr lang="zh-CN" altLang="en-US" smtClean="0"/>
               <a:t>‹#›</a:t>
             </a:fld>
@@ -317,7 +317,7 @@
     </p:spTree>
     <p:extLst>
       <p:ext uri="{BB962C8B-B14F-4D97-AF65-F5344CB8AC3E}">
-        <p14:creationId xmlns:p14="http://schemas.microsoft.com/office/powerpoint/2010/main" val="3394640556"/>
+        <p14:creationId xmlns:p14="http://schemas.microsoft.com/office/powerpoint/2010/main" val="3185247667"/>
       </p:ext>
     </p:extLst>
   </p:cSld>
@@ -349,7 +349,7 @@
           <p:cNvPr id="2" name="标题 1">
             <a:extLst>
               <a:ext uri="{FF2B5EF4-FFF2-40B4-BE49-F238E27FC236}">
-                <a16:creationId xmlns:a16="http://schemas.microsoft.com/office/drawing/2014/main" id="{D27F95A2-D1BA-20A8-C6D5-A4940D2A54AA}"/>
+                <a16:creationId xmlns:a16="http://schemas.microsoft.com/office/drawing/2014/main" id="{43721E8D-BC26-715E-2DA0-D944868C2D5E}"/>
               </a:ext>
             </a:extLst>
           </p:cNvPr>
@@ -377,7 +377,7 @@
           <p:cNvPr id="3" name="竖排文字占位符 2">
             <a:extLst>
               <a:ext uri="{FF2B5EF4-FFF2-40B4-BE49-F238E27FC236}">
-                <a16:creationId xmlns:a16="http://schemas.microsoft.com/office/drawing/2014/main" id="{9B85A23E-9304-63B4-5F5E-43003F0F763D}"/>
+                <a16:creationId xmlns:a16="http://schemas.microsoft.com/office/drawing/2014/main" id="{2476C400-4513-F665-9612-256ECD400EA9}"/>
               </a:ext>
             </a:extLst>
           </p:cNvPr>
@@ -434,7 +434,7 @@
           <p:cNvPr id="4" name="日期占位符 3">
             <a:extLst>
               <a:ext uri="{FF2B5EF4-FFF2-40B4-BE49-F238E27FC236}">
-                <a16:creationId xmlns:a16="http://schemas.microsoft.com/office/drawing/2014/main" id="{56106EC3-8DCA-6C61-232A-7A8BE6E28D6A}"/>
+                <a16:creationId xmlns:a16="http://schemas.microsoft.com/office/drawing/2014/main" id="{0AAB63B7-DB5E-F2BD-F64C-D864F05B1CE6}"/>
               </a:ext>
             </a:extLst>
           </p:cNvPr>
@@ -450,7 +450,7 @@
           <a:bodyPr/>
           <a:lstStyle/>
           <a:p>
-            <a:fld id="{66C82A9A-6D95-4FDD-B330-054DA9C04926}" type="datetimeFigureOut">
+            <a:fld id="{0B41451B-61CA-4037-A55A-BA0025659104}" type="datetimeFigureOut">
               <a:rPr lang="zh-CN" altLang="en-US" smtClean="0"/>
               <a:t>2024/3/10</a:t>
             </a:fld>
@@ -463,7 +463,7 @@
           <p:cNvPr id="5" name="页脚占位符 4">
             <a:extLst>
               <a:ext uri="{FF2B5EF4-FFF2-40B4-BE49-F238E27FC236}">
-                <a16:creationId xmlns:a16="http://schemas.microsoft.com/office/drawing/2014/main" id="{4DDE83F2-7069-DD65-71FD-B7CD2385CEAD}"/>
+                <a16:creationId xmlns:a16="http://schemas.microsoft.com/office/drawing/2014/main" id="{FCC795A1-A37A-2DF9-A7A8-68C93F3CD949}"/>
               </a:ext>
             </a:extLst>
           </p:cNvPr>
@@ -488,7 +488,7 @@
           <p:cNvPr id="6" name="灯片编号占位符 5">
             <a:extLst>
               <a:ext uri="{FF2B5EF4-FFF2-40B4-BE49-F238E27FC236}">
-                <a16:creationId xmlns:a16="http://schemas.microsoft.com/office/drawing/2014/main" id="{7FE402A8-C55E-3C3B-07CD-60C947256B0F}"/>
+                <a16:creationId xmlns:a16="http://schemas.microsoft.com/office/drawing/2014/main" id="{99CE45F9-C73A-4E03-77C3-7327FE2B6020}"/>
               </a:ext>
             </a:extLst>
           </p:cNvPr>
@@ -504,7 +504,7 @@
           <a:bodyPr/>
           <a:lstStyle/>
           <a:p>
-            <a:fld id="{E04F1C37-F79E-4410-AE5D-228AAD5CBBE2}" type="slidenum">
+            <a:fld id="{C2C4F7C5-E125-4F0D-82BC-CC9FDB2B3265}" type="slidenum">
               <a:rPr lang="zh-CN" altLang="en-US" smtClean="0"/>
               <a:t>‹#›</a:t>
             </a:fld>
@@ -515,7 +515,7 @@
     </p:spTree>
     <p:extLst>
       <p:ext uri="{BB962C8B-B14F-4D97-AF65-F5344CB8AC3E}">
-        <p14:creationId xmlns:p14="http://schemas.microsoft.com/office/powerpoint/2010/main" val="841591450"/>
+        <p14:creationId xmlns:p14="http://schemas.microsoft.com/office/powerpoint/2010/main" val="2458261880"/>
       </p:ext>
     </p:extLst>
   </p:cSld>
@@ -547,7 +547,7 @@
           <p:cNvPr id="2" name="竖排标题 1">
             <a:extLst>
               <a:ext uri="{FF2B5EF4-FFF2-40B4-BE49-F238E27FC236}">
-                <a16:creationId xmlns:a16="http://schemas.microsoft.com/office/drawing/2014/main" id="{FEA36B8B-6E69-D9AD-9274-5E5323D033D2}"/>
+                <a16:creationId xmlns:a16="http://schemas.microsoft.com/office/drawing/2014/main" id="{964F0F41-E4DF-A457-3519-A6EB4763F2C2}"/>
               </a:ext>
             </a:extLst>
           </p:cNvPr>
@@ -580,7 +580,7 @@
           <p:cNvPr id="3" name="竖排文字占位符 2">
             <a:extLst>
               <a:ext uri="{FF2B5EF4-FFF2-40B4-BE49-F238E27FC236}">
-                <a16:creationId xmlns:a16="http://schemas.microsoft.com/office/drawing/2014/main" id="{46931417-3D66-6161-29DE-9FCED2891888}"/>
+                <a16:creationId xmlns:a16="http://schemas.microsoft.com/office/drawing/2014/main" id="{6651EC19-5913-EB7B-F9D9-0C9C3D4506AA}"/>
               </a:ext>
             </a:extLst>
           </p:cNvPr>
@@ -642,7 +642,7 @@
           <p:cNvPr id="4" name="日期占位符 3">
             <a:extLst>
               <a:ext uri="{FF2B5EF4-FFF2-40B4-BE49-F238E27FC236}">
-                <a16:creationId xmlns:a16="http://schemas.microsoft.com/office/drawing/2014/main" id="{649DEBB3-67EC-03D4-2786-89546AC690C4}"/>
+                <a16:creationId xmlns:a16="http://schemas.microsoft.com/office/drawing/2014/main" id="{42E25476-82D7-6DCE-0D7E-534E2912E80F}"/>
               </a:ext>
             </a:extLst>
           </p:cNvPr>
@@ -658,7 +658,7 @@
           <a:bodyPr/>
           <a:lstStyle/>
           <a:p>
-            <a:fld id="{66C82A9A-6D95-4FDD-B330-054DA9C04926}" type="datetimeFigureOut">
+            <a:fld id="{0B41451B-61CA-4037-A55A-BA0025659104}" type="datetimeFigureOut">
               <a:rPr lang="zh-CN" altLang="en-US" smtClean="0"/>
               <a:t>2024/3/10</a:t>
             </a:fld>
@@ -671,7 +671,7 @@
           <p:cNvPr id="5" name="页脚占位符 4">
             <a:extLst>
               <a:ext uri="{FF2B5EF4-FFF2-40B4-BE49-F238E27FC236}">
-                <a16:creationId xmlns:a16="http://schemas.microsoft.com/office/drawing/2014/main" id="{11EB30D1-56F8-72ED-6CFF-7F3C06D06AFC}"/>
+                <a16:creationId xmlns:a16="http://schemas.microsoft.com/office/drawing/2014/main" id="{0A307B75-18B6-7623-402A-FDEF48EE2250}"/>
               </a:ext>
             </a:extLst>
           </p:cNvPr>
@@ -696,7 +696,7 @@
           <p:cNvPr id="6" name="灯片编号占位符 5">
             <a:extLst>
               <a:ext uri="{FF2B5EF4-FFF2-40B4-BE49-F238E27FC236}">
-                <a16:creationId xmlns:a16="http://schemas.microsoft.com/office/drawing/2014/main" id="{BD52E9B3-46C9-0F26-8147-102ED5755544}"/>
+                <a16:creationId xmlns:a16="http://schemas.microsoft.com/office/drawing/2014/main" id="{FE554098-B7A3-1E3F-0063-8492057D30AC}"/>
               </a:ext>
             </a:extLst>
           </p:cNvPr>
@@ -712,7 +712,7 @@
           <a:bodyPr/>
           <a:lstStyle/>
           <a:p>
-            <a:fld id="{E04F1C37-F79E-4410-AE5D-228AAD5CBBE2}" type="slidenum">
+            <a:fld id="{C2C4F7C5-E125-4F0D-82BC-CC9FDB2B3265}" type="slidenum">
               <a:rPr lang="zh-CN" altLang="en-US" smtClean="0"/>
               <a:t>‹#›</a:t>
             </a:fld>
@@ -723,7 +723,7 @@
     </p:spTree>
     <p:extLst>
       <p:ext uri="{BB962C8B-B14F-4D97-AF65-F5344CB8AC3E}">
-        <p14:creationId xmlns:p14="http://schemas.microsoft.com/office/powerpoint/2010/main" val="4079629312"/>
+        <p14:creationId xmlns:p14="http://schemas.microsoft.com/office/powerpoint/2010/main" val="1872119933"/>
       </p:ext>
     </p:extLst>
   </p:cSld>
@@ -755,7 +755,7 @@
           <p:cNvPr id="2" name="标题 1">
             <a:extLst>
               <a:ext uri="{FF2B5EF4-FFF2-40B4-BE49-F238E27FC236}">
-                <a16:creationId xmlns:a16="http://schemas.microsoft.com/office/drawing/2014/main" id="{5547DF8A-CFF3-E406-D0B2-5AA73611942E}"/>
+                <a16:creationId xmlns:a16="http://schemas.microsoft.com/office/drawing/2014/main" id="{4EEFDCE5-BA9F-26B4-2D10-219CAB03866C}"/>
               </a:ext>
             </a:extLst>
           </p:cNvPr>
@@ -783,7 +783,7 @@
           <p:cNvPr id="3" name="内容占位符 2">
             <a:extLst>
               <a:ext uri="{FF2B5EF4-FFF2-40B4-BE49-F238E27FC236}">
-                <a16:creationId xmlns:a16="http://schemas.microsoft.com/office/drawing/2014/main" id="{007DA76F-1369-1542-DDF3-A4A1F36EFA6F}"/>
+                <a16:creationId xmlns:a16="http://schemas.microsoft.com/office/drawing/2014/main" id="{383C72EF-13FE-0DF3-FBDA-34F26DE6D2D0}"/>
               </a:ext>
             </a:extLst>
           </p:cNvPr>
@@ -840,7 +840,7 @@
           <p:cNvPr id="4" name="日期占位符 3">
             <a:extLst>
               <a:ext uri="{FF2B5EF4-FFF2-40B4-BE49-F238E27FC236}">
-                <a16:creationId xmlns:a16="http://schemas.microsoft.com/office/drawing/2014/main" id="{B7022A21-12A2-8974-180A-CCC90F9C3B23}"/>
+                <a16:creationId xmlns:a16="http://schemas.microsoft.com/office/drawing/2014/main" id="{D5A8B644-B336-0EBC-371F-74A27536B171}"/>
               </a:ext>
             </a:extLst>
           </p:cNvPr>
@@ -856,7 +856,7 @@
           <a:bodyPr/>
           <a:lstStyle/>
           <a:p>
-            <a:fld id="{66C82A9A-6D95-4FDD-B330-054DA9C04926}" type="datetimeFigureOut">
+            <a:fld id="{0B41451B-61CA-4037-A55A-BA0025659104}" type="datetimeFigureOut">
               <a:rPr lang="zh-CN" altLang="en-US" smtClean="0"/>
               <a:t>2024/3/10</a:t>
             </a:fld>
@@ -869,7 +869,7 @@
           <p:cNvPr id="5" name="页脚占位符 4">
             <a:extLst>
               <a:ext uri="{FF2B5EF4-FFF2-40B4-BE49-F238E27FC236}">
-                <a16:creationId xmlns:a16="http://schemas.microsoft.com/office/drawing/2014/main" id="{8EC80277-81F3-60DC-30D2-E757CEBAF6DD}"/>
+                <a16:creationId xmlns:a16="http://schemas.microsoft.com/office/drawing/2014/main" id="{C9B1FF40-5DFD-1AFD-60BD-8922FDE93E9D}"/>
               </a:ext>
             </a:extLst>
           </p:cNvPr>
@@ -894,7 +894,7 @@
           <p:cNvPr id="6" name="灯片编号占位符 5">
             <a:extLst>
               <a:ext uri="{FF2B5EF4-FFF2-40B4-BE49-F238E27FC236}">
-                <a16:creationId xmlns:a16="http://schemas.microsoft.com/office/drawing/2014/main" id="{1B757153-8D6B-5BDA-52EB-6A85D49CB4DA}"/>
+                <a16:creationId xmlns:a16="http://schemas.microsoft.com/office/drawing/2014/main" id="{41C73823-7674-182D-1C2A-24898139D3D1}"/>
               </a:ext>
             </a:extLst>
           </p:cNvPr>
@@ -910,7 +910,7 @@
           <a:bodyPr/>
           <a:lstStyle/>
           <a:p>
-            <a:fld id="{E04F1C37-F79E-4410-AE5D-228AAD5CBBE2}" type="slidenum">
+            <a:fld id="{C2C4F7C5-E125-4F0D-82BC-CC9FDB2B3265}" type="slidenum">
               <a:rPr lang="zh-CN" altLang="en-US" smtClean="0"/>
               <a:t>‹#›</a:t>
             </a:fld>
@@ -921,7 +921,7 @@
     </p:spTree>
     <p:extLst>
       <p:ext uri="{BB962C8B-B14F-4D97-AF65-F5344CB8AC3E}">
-        <p14:creationId xmlns:p14="http://schemas.microsoft.com/office/powerpoint/2010/main" val="1975133716"/>
+        <p14:creationId xmlns:p14="http://schemas.microsoft.com/office/powerpoint/2010/main" val="1016011997"/>
       </p:ext>
     </p:extLst>
   </p:cSld>
@@ -953,7 +953,7 @@
           <p:cNvPr id="2" name="标题 1">
             <a:extLst>
               <a:ext uri="{FF2B5EF4-FFF2-40B4-BE49-F238E27FC236}">
-                <a16:creationId xmlns:a16="http://schemas.microsoft.com/office/drawing/2014/main" id="{BB710052-5836-3539-C0CC-ED63F3EDA973}"/>
+                <a16:creationId xmlns:a16="http://schemas.microsoft.com/office/drawing/2014/main" id="{BD1EBB48-3FCB-53E8-0BFE-D0B14D25D453}"/>
               </a:ext>
             </a:extLst>
           </p:cNvPr>
@@ -990,7 +990,7 @@
           <p:cNvPr id="3" name="文本占位符 2">
             <a:extLst>
               <a:ext uri="{FF2B5EF4-FFF2-40B4-BE49-F238E27FC236}">
-                <a16:creationId xmlns:a16="http://schemas.microsoft.com/office/drawing/2014/main" id="{2032606D-20F8-DFE3-7037-EE426912E7EB}"/>
+                <a16:creationId xmlns:a16="http://schemas.microsoft.com/office/drawing/2014/main" id="{CABA7E36-FC04-DC57-7169-2C9C7330AEAE}"/>
               </a:ext>
             </a:extLst>
           </p:cNvPr>
@@ -1115,7 +1115,7 @@
           <p:cNvPr id="4" name="日期占位符 3">
             <a:extLst>
               <a:ext uri="{FF2B5EF4-FFF2-40B4-BE49-F238E27FC236}">
-                <a16:creationId xmlns:a16="http://schemas.microsoft.com/office/drawing/2014/main" id="{EB525F48-CCE1-1C5D-D741-D6AD1C05E6E0}"/>
+                <a16:creationId xmlns:a16="http://schemas.microsoft.com/office/drawing/2014/main" id="{14A03A01-1CE9-175D-54DF-19F01C116EA5}"/>
               </a:ext>
             </a:extLst>
           </p:cNvPr>
@@ -1131,7 +1131,7 @@
           <a:bodyPr/>
           <a:lstStyle/>
           <a:p>
-            <a:fld id="{66C82A9A-6D95-4FDD-B330-054DA9C04926}" type="datetimeFigureOut">
+            <a:fld id="{0B41451B-61CA-4037-A55A-BA0025659104}" type="datetimeFigureOut">
               <a:rPr lang="zh-CN" altLang="en-US" smtClean="0"/>
               <a:t>2024/3/10</a:t>
             </a:fld>
@@ -1144,7 +1144,7 @@
           <p:cNvPr id="5" name="页脚占位符 4">
             <a:extLst>
               <a:ext uri="{FF2B5EF4-FFF2-40B4-BE49-F238E27FC236}">
-                <a16:creationId xmlns:a16="http://schemas.microsoft.com/office/drawing/2014/main" id="{D296DDA5-7670-A8EB-70B4-5AE57E949C9E}"/>
+                <a16:creationId xmlns:a16="http://schemas.microsoft.com/office/drawing/2014/main" id="{83FB3768-9A71-C63F-75AD-0D174541DCB5}"/>
               </a:ext>
             </a:extLst>
           </p:cNvPr>
@@ -1169,7 +1169,7 @@
           <p:cNvPr id="6" name="灯片编号占位符 5">
             <a:extLst>
               <a:ext uri="{FF2B5EF4-FFF2-40B4-BE49-F238E27FC236}">
-                <a16:creationId xmlns:a16="http://schemas.microsoft.com/office/drawing/2014/main" id="{95827E15-F5D6-F1BC-5C5F-A618A814E660}"/>
+                <a16:creationId xmlns:a16="http://schemas.microsoft.com/office/drawing/2014/main" id="{D61F565A-7494-98C3-12AE-D3E8201433FA}"/>
               </a:ext>
             </a:extLst>
           </p:cNvPr>
@@ -1185,7 +1185,7 @@
           <a:bodyPr/>
           <a:lstStyle/>
           <a:p>
-            <a:fld id="{E04F1C37-F79E-4410-AE5D-228AAD5CBBE2}" type="slidenum">
+            <a:fld id="{C2C4F7C5-E125-4F0D-82BC-CC9FDB2B3265}" type="slidenum">
               <a:rPr lang="zh-CN" altLang="en-US" smtClean="0"/>
               <a:t>‹#›</a:t>
             </a:fld>
@@ -1196,7 +1196,7 @@
     </p:spTree>
     <p:extLst>
       <p:ext uri="{BB962C8B-B14F-4D97-AF65-F5344CB8AC3E}">
-        <p14:creationId xmlns:p14="http://schemas.microsoft.com/office/powerpoint/2010/main" val="1094363986"/>
+        <p14:creationId xmlns:p14="http://schemas.microsoft.com/office/powerpoint/2010/main" val="584692560"/>
       </p:ext>
     </p:extLst>
   </p:cSld>
@@ -1228,7 +1228,7 @@
           <p:cNvPr id="2" name="标题 1">
             <a:extLst>
               <a:ext uri="{FF2B5EF4-FFF2-40B4-BE49-F238E27FC236}">
-                <a16:creationId xmlns:a16="http://schemas.microsoft.com/office/drawing/2014/main" id="{3FEFBFF0-4DDD-274B-2875-4A615854666D}"/>
+                <a16:creationId xmlns:a16="http://schemas.microsoft.com/office/drawing/2014/main" id="{5BBDB56C-D356-6300-004D-0E0DA7EBCEB1}"/>
               </a:ext>
             </a:extLst>
           </p:cNvPr>
@@ -1256,7 +1256,7 @@
           <p:cNvPr id="3" name="内容占位符 2">
             <a:extLst>
               <a:ext uri="{FF2B5EF4-FFF2-40B4-BE49-F238E27FC236}">
-                <a16:creationId xmlns:a16="http://schemas.microsoft.com/office/drawing/2014/main" id="{25E4701E-69B6-62AE-3116-60409241F8BD}"/>
+                <a16:creationId xmlns:a16="http://schemas.microsoft.com/office/drawing/2014/main" id="{511B2CE3-4507-2AF9-7809-E8224E0BFE88}"/>
               </a:ext>
             </a:extLst>
           </p:cNvPr>
@@ -1318,7 +1318,7 @@
           <p:cNvPr id="4" name="内容占位符 3">
             <a:extLst>
               <a:ext uri="{FF2B5EF4-FFF2-40B4-BE49-F238E27FC236}">
-                <a16:creationId xmlns:a16="http://schemas.microsoft.com/office/drawing/2014/main" id="{0390C84F-A4F7-57C9-5432-4797578F631F}"/>
+                <a16:creationId xmlns:a16="http://schemas.microsoft.com/office/drawing/2014/main" id="{8BD45C7A-430D-BD46-1486-320B0A147C51}"/>
               </a:ext>
             </a:extLst>
           </p:cNvPr>
@@ -1380,7 +1380,7 @@
           <p:cNvPr id="5" name="日期占位符 4">
             <a:extLst>
               <a:ext uri="{FF2B5EF4-FFF2-40B4-BE49-F238E27FC236}">
-                <a16:creationId xmlns:a16="http://schemas.microsoft.com/office/drawing/2014/main" id="{CACDB93A-6176-9ECD-BF9F-24E70C7953D3}"/>
+                <a16:creationId xmlns:a16="http://schemas.microsoft.com/office/drawing/2014/main" id="{2C140D4C-2086-C8D8-7583-DEFAC1F55C7C}"/>
               </a:ext>
             </a:extLst>
           </p:cNvPr>
@@ -1396,7 +1396,7 @@
           <a:bodyPr/>
           <a:lstStyle/>
           <a:p>
-            <a:fld id="{66C82A9A-6D95-4FDD-B330-054DA9C04926}" type="datetimeFigureOut">
+            <a:fld id="{0B41451B-61CA-4037-A55A-BA0025659104}" type="datetimeFigureOut">
               <a:rPr lang="zh-CN" altLang="en-US" smtClean="0"/>
               <a:t>2024/3/10</a:t>
             </a:fld>
@@ -1409,7 +1409,7 @@
           <p:cNvPr id="6" name="页脚占位符 5">
             <a:extLst>
               <a:ext uri="{FF2B5EF4-FFF2-40B4-BE49-F238E27FC236}">
-                <a16:creationId xmlns:a16="http://schemas.microsoft.com/office/drawing/2014/main" id="{0149B473-E798-8DB3-E8F1-3B8047E7DF00}"/>
+                <a16:creationId xmlns:a16="http://schemas.microsoft.com/office/drawing/2014/main" id="{87A3A769-704C-55B7-CEB7-5A5129DD97F1}"/>
               </a:ext>
             </a:extLst>
           </p:cNvPr>
@@ -1434,7 +1434,7 @@
           <p:cNvPr id="7" name="灯片编号占位符 6">
             <a:extLst>
               <a:ext uri="{FF2B5EF4-FFF2-40B4-BE49-F238E27FC236}">
-                <a16:creationId xmlns:a16="http://schemas.microsoft.com/office/drawing/2014/main" id="{E1BF3EE6-3CFB-4E94-F75B-AB263AB1ADCA}"/>
+                <a16:creationId xmlns:a16="http://schemas.microsoft.com/office/drawing/2014/main" id="{C9FAF2FC-C519-39AA-8DF0-A0AC134C7F32}"/>
               </a:ext>
             </a:extLst>
           </p:cNvPr>
@@ -1450,7 +1450,7 @@
           <a:bodyPr/>
           <a:lstStyle/>
           <a:p>
-            <a:fld id="{E04F1C37-F79E-4410-AE5D-228AAD5CBBE2}" type="slidenum">
+            <a:fld id="{C2C4F7C5-E125-4F0D-82BC-CC9FDB2B3265}" type="slidenum">
               <a:rPr lang="zh-CN" altLang="en-US" smtClean="0"/>
               <a:t>‹#›</a:t>
             </a:fld>
@@ -1461,7 +1461,7 @@
     </p:spTree>
     <p:extLst>
       <p:ext uri="{BB962C8B-B14F-4D97-AF65-F5344CB8AC3E}">
-        <p14:creationId xmlns:p14="http://schemas.microsoft.com/office/powerpoint/2010/main" val="972491696"/>
+        <p14:creationId xmlns:p14="http://schemas.microsoft.com/office/powerpoint/2010/main" val="2746343700"/>
       </p:ext>
     </p:extLst>
   </p:cSld>
@@ -1493,7 +1493,7 @@
           <p:cNvPr id="2" name="标题 1">
             <a:extLst>
               <a:ext uri="{FF2B5EF4-FFF2-40B4-BE49-F238E27FC236}">
-                <a16:creationId xmlns:a16="http://schemas.microsoft.com/office/drawing/2014/main" id="{CF42EDC5-743A-C06C-5501-4386EEC89D26}"/>
+                <a16:creationId xmlns:a16="http://schemas.microsoft.com/office/drawing/2014/main" id="{CC65078B-E7B3-55A3-E698-6649D1A4A412}"/>
               </a:ext>
             </a:extLst>
           </p:cNvPr>
@@ -1526,7 +1526,7 @@
           <p:cNvPr id="3" name="文本占位符 2">
             <a:extLst>
               <a:ext uri="{FF2B5EF4-FFF2-40B4-BE49-F238E27FC236}">
-                <a16:creationId xmlns:a16="http://schemas.microsoft.com/office/drawing/2014/main" id="{0E698D2A-E63B-4D83-640B-CFAC2FD83628}"/>
+                <a16:creationId xmlns:a16="http://schemas.microsoft.com/office/drawing/2014/main" id="{B3C4C498-4E02-7928-185E-96284842C125}"/>
               </a:ext>
             </a:extLst>
           </p:cNvPr>
@@ -1597,7 +1597,7 @@
           <p:cNvPr id="4" name="内容占位符 3">
             <a:extLst>
               <a:ext uri="{FF2B5EF4-FFF2-40B4-BE49-F238E27FC236}">
-                <a16:creationId xmlns:a16="http://schemas.microsoft.com/office/drawing/2014/main" id="{63854749-C715-5311-BA64-8A09D4635E23}"/>
+                <a16:creationId xmlns:a16="http://schemas.microsoft.com/office/drawing/2014/main" id="{7EEB6240-86A5-91F3-F699-A5ECB2114A5B}"/>
               </a:ext>
             </a:extLst>
           </p:cNvPr>
@@ -1659,7 +1659,7 @@
           <p:cNvPr id="5" name="文本占位符 4">
             <a:extLst>
               <a:ext uri="{FF2B5EF4-FFF2-40B4-BE49-F238E27FC236}">
-                <a16:creationId xmlns:a16="http://schemas.microsoft.com/office/drawing/2014/main" id="{8D0FB037-70C3-4F5F-6CC9-208C04341D65}"/>
+                <a16:creationId xmlns:a16="http://schemas.microsoft.com/office/drawing/2014/main" id="{35F54F88-5EAB-831D-43BF-4C0B6263D40C}"/>
               </a:ext>
             </a:extLst>
           </p:cNvPr>
@@ -1730,7 +1730,7 @@
           <p:cNvPr id="6" name="内容占位符 5">
             <a:extLst>
               <a:ext uri="{FF2B5EF4-FFF2-40B4-BE49-F238E27FC236}">
-                <a16:creationId xmlns:a16="http://schemas.microsoft.com/office/drawing/2014/main" id="{93BC80A6-D8F6-5328-8DC8-9C66DC885306}"/>
+                <a16:creationId xmlns:a16="http://schemas.microsoft.com/office/drawing/2014/main" id="{8E6792D9-D908-C508-2CFA-9F14F8B49EF2}"/>
               </a:ext>
             </a:extLst>
           </p:cNvPr>
@@ -1792,7 +1792,7 @@
           <p:cNvPr id="7" name="日期占位符 6">
             <a:extLst>
               <a:ext uri="{FF2B5EF4-FFF2-40B4-BE49-F238E27FC236}">
-                <a16:creationId xmlns:a16="http://schemas.microsoft.com/office/drawing/2014/main" id="{0D606C68-14D1-EC13-1053-A30F0A47AD85}"/>
+                <a16:creationId xmlns:a16="http://schemas.microsoft.com/office/drawing/2014/main" id="{9597D815-A509-9C79-1F00-36CA4DBBDECA}"/>
               </a:ext>
             </a:extLst>
           </p:cNvPr>
@@ -1808,7 +1808,7 @@
           <a:bodyPr/>
           <a:lstStyle/>
           <a:p>
-            <a:fld id="{66C82A9A-6D95-4FDD-B330-054DA9C04926}" type="datetimeFigureOut">
+            <a:fld id="{0B41451B-61CA-4037-A55A-BA0025659104}" type="datetimeFigureOut">
               <a:rPr lang="zh-CN" altLang="en-US" smtClean="0"/>
               <a:t>2024/3/10</a:t>
             </a:fld>
@@ -1821,7 +1821,7 @@
           <p:cNvPr id="8" name="页脚占位符 7">
             <a:extLst>
               <a:ext uri="{FF2B5EF4-FFF2-40B4-BE49-F238E27FC236}">
-                <a16:creationId xmlns:a16="http://schemas.microsoft.com/office/drawing/2014/main" id="{3BC22D4E-05F2-71E0-5A11-9B16706C9D08}"/>
+                <a16:creationId xmlns:a16="http://schemas.microsoft.com/office/drawing/2014/main" id="{118F6FDA-1964-9D55-C56A-E5A51FC8C2D8}"/>
               </a:ext>
             </a:extLst>
           </p:cNvPr>
@@ -1846,7 +1846,7 @@
           <p:cNvPr id="9" name="灯片编号占位符 8">
             <a:extLst>
               <a:ext uri="{FF2B5EF4-FFF2-40B4-BE49-F238E27FC236}">
-                <a16:creationId xmlns:a16="http://schemas.microsoft.com/office/drawing/2014/main" id="{69C0B1B6-2268-C83C-21E6-4F41490ACDB9}"/>
+                <a16:creationId xmlns:a16="http://schemas.microsoft.com/office/drawing/2014/main" id="{845EB948-6E0E-3B6E-0E31-4D27EAC6F2D0}"/>
               </a:ext>
             </a:extLst>
           </p:cNvPr>
@@ -1862,7 +1862,7 @@
           <a:bodyPr/>
           <a:lstStyle/>
           <a:p>
-            <a:fld id="{E04F1C37-F79E-4410-AE5D-228AAD5CBBE2}" type="slidenum">
+            <a:fld id="{C2C4F7C5-E125-4F0D-82BC-CC9FDB2B3265}" type="slidenum">
               <a:rPr lang="zh-CN" altLang="en-US" smtClean="0"/>
               <a:t>‹#›</a:t>
             </a:fld>
@@ -1873,7 +1873,7 @@
     </p:spTree>
     <p:extLst>
       <p:ext uri="{BB962C8B-B14F-4D97-AF65-F5344CB8AC3E}">
-        <p14:creationId xmlns:p14="http://schemas.microsoft.com/office/powerpoint/2010/main" val="1681314453"/>
+        <p14:creationId xmlns:p14="http://schemas.microsoft.com/office/powerpoint/2010/main" val="1124119827"/>
       </p:ext>
     </p:extLst>
   </p:cSld>
@@ -1905,7 +1905,7 @@
           <p:cNvPr id="2" name="标题 1">
             <a:extLst>
               <a:ext uri="{FF2B5EF4-FFF2-40B4-BE49-F238E27FC236}">
-                <a16:creationId xmlns:a16="http://schemas.microsoft.com/office/drawing/2014/main" id="{CC6CD702-5ACE-7D34-1104-F640895575CB}"/>
+                <a16:creationId xmlns:a16="http://schemas.microsoft.com/office/drawing/2014/main" id="{E78FB4E3-D19A-E2FE-ED73-FCAFCF12F8B9}"/>
               </a:ext>
             </a:extLst>
           </p:cNvPr>
@@ -1933,7 +1933,7 @@
           <p:cNvPr id="3" name="日期占位符 2">
             <a:extLst>
               <a:ext uri="{FF2B5EF4-FFF2-40B4-BE49-F238E27FC236}">
-                <a16:creationId xmlns:a16="http://schemas.microsoft.com/office/drawing/2014/main" id="{2690C34D-4173-9D86-A041-76AB2E307061}"/>
+                <a16:creationId xmlns:a16="http://schemas.microsoft.com/office/drawing/2014/main" id="{C096BFC5-8984-88D8-2235-0D19823DF72C}"/>
               </a:ext>
             </a:extLst>
           </p:cNvPr>
@@ -1949,7 +1949,7 @@
           <a:bodyPr/>
           <a:lstStyle/>
           <a:p>
-            <a:fld id="{66C82A9A-6D95-4FDD-B330-054DA9C04926}" type="datetimeFigureOut">
+            <a:fld id="{0B41451B-61CA-4037-A55A-BA0025659104}" type="datetimeFigureOut">
               <a:rPr lang="zh-CN" altLang="en-US" smtClean="0"/>
               <a:t>2024/3/10</a:t>
             </a:fld>
@@ -1962,7 +1962,7 @@
           <p:cNvPr id="4" name="页脚占位符 3">
             <a:extLst>
               <a:ext uri="{FF2B5EF4-FFF2-40B4-BE49-F238E27FC236}">
-                <a16:creationId xmlns:a16="http://schemas.microsoft.com/office/drawing/2014/main" id="{2F69B799-0BDF-61AA-C3D2-5D14D25DD039}"/>
+                <a16:creationId xmlns:a16="http://schemas.microsoft.com/office/drawing/2014/main" id="{DB3A44B0-11A5-3F1E-D8D0-C39F6C15B512}"/>
               </a:ext>
             </a:extLst>
           </p:cNvPr>
@@ -1987,7 +1987,7 @@
           <p:cNvPr id="5" name="灯片编号占位符 4">
             <a:extLst>
               <a:ext uri="{FF2B5EF4-FFF2-40B4-BE49-F238E27FC236}">
-                <a16:creationId xmlns:a16="http://schemas.microsoft.com/office/drawing/2014/main" id="{46D89083-3CD9-651A-97F2-84F9B9B67D9C}"/>
+                <a16:creationId xmlns:a16="http://schemas.microsoft.com/office/drawing/2014/main" id="{07EF1F3C-59D2-8A3F-63BE-BF580127E21B}"/>
               </a:ext>
             </a:extLst>
           </p:cNvPr>
@@ -2003,7 +2003,7 @@
           <a:bodyPr/>
           <a:lstStyle/>
           <a:p>
-            <a:fld id="{E04F1C37-F79E-4410-AE5D-228AAD5CBBE2}" type="slidenum">
+            <a:fld id="{C2C4F7C5-E125-4F0D-82BC-CC9FDB2B3265}" type="slidenum">
               <a:rPr lang="zh-CN" altLang="en-US" smtClean="0"/>
               <a:t>‹#›</a:t>
             </a:fld>
@@ -2014,7 +2014,7 @@
     </p:spTree>
     <p:extLst>
       <p:ext uri="{BB962C8B-B14F-4D97-AF65-F5344CB8AC3E}">
-        <p14:creationId xmlns:p14="http://schemas.microsoft.com/office/powerpoint/2010/main" val="1536568049"/>
+        <p14:creationId xmlns:p14="http://schemas.microsoft.com/office/powerpoint/2010/main" val="317024878"/>
       </p:ext>
     </p:extLst>
   </p:cSld>
@@ -2046,7 +2046,7 @@
           <p:cNvPr id="2" name="日期占位符 1">
             <a:extLst>
               <a:ext uri="{FF2B5EF4-FFF2-40B4-BE49-F238E27FC236}">
-                <a16:creationId xmlns:a16="http://schemas.microsoft.com/office/drawing/2014/main" id="{6219D20A-5D9B-D044-E765-CC9B72DF97C9}"/>
+                <a16:creationId xmlns:a16="http://schemas.microsoft.com/office/drawing/2014/main" id="{B0A392F3-BC77-190A-43F4-91A7653EDC53}"/>
               </a:ext>
             </a:extLst>
           </p:cNvPr>
@@ -2062,7 +2062,7 @@
           <a:bodyPr/>
           <a:lstStyle/>
           <a:p>
-            <a:fld id="{66C82A9A-6D95-4FDD-B330-054DA9C04926}" type="datetimeFigureOut">
+            <a:fld id="{0B41451B-61CA-4037-A55A-BA0025659104}" type="datetimeFigureOut">
               <a:rPr lang="zh-CN" altLang="en-US" smtClean="0"/>
               <a:t>2024/3/10</a:t>
             </a:fld>
@@ -2075,7 +2075,7 @@
           <p:cNvPr id="3" name="页脚占位符 2">
             <a:extLst>
               <a:ext uri="{FF2B5EF4-FFF2-40B4-BE49-F238E27FC236}">
-                <a16:creationId xmlns:a16="http://schemas.microsoft.com/office/drawing/2014/main" id="{BE0DCE93-ACB1-9E85-9DDC-54B4621DFF7C}"/>
+                <a16:creationId xmlns:a16="http://schemas.microsoft.com/office/drawing/2014/main" id="{9122E8F7-3694-7AA8-07B4-F25CA5FC92B8}"/>
               </a:ext>
             </a:extLst>
           </p:cNvPr>
@@ -2100,7 +2100,7 @@
           <p:cNvPr id="4" name="灯片编号占位符 3">
             <a:extLst>
               <a:ext uri="{FF2B5EF4-FFF2-40B4-BE49-F238E27FC236}">
-                <a16:creationId xmlns:a16="http://schemas.microsoft.com/office/drawing/2014/main" id="{36078204-F052-F01D-AD06-E4DA501EB85D}"/>
+                <a16:creationId xmlns:a16="http://schemas.microsoft.com/office/drawing/2014/main" id="{026D8406-8188-7367-E02A-1FA042B0DC93}"/>
               </a:ext>
             </a:extLst>
           </p:cNvPr>
@@ -2116,7 +2116,7 @@
           <a:bodyPr/>
           <a:lstStyle/>
           <a:p>
-            <a:fld id="{E04F1C37-F79E-4410-AE5D-228AAD5CBBE2}" type="slidenum">
+            <a:fld id="{C2C4F7C5-E125-4F0D-82BC-CC9FDB2B3265}" type="slidenum">
               <a:rPr lang="zh-CN" altLang="en-US" smtClean="0"/>
               <a:t>‹#›</a:t>
             </a:fld>
@@ -2127,7 +2127,7 @@
     </p:spTree>
     <p:extLst>
       <p:ext uri="{BB962C8B-B14F-4D97-AF65-F5344CB8AC3E}">
-        <p14:creationId xmlns:p14="http://schemas.microsoft.com/office/powerpoint/2010/main" val="4288866072"/>
+        <p14:creationId xmlns:p14="http://schemas.microsoft.com/office/powerpoint/2010/main" val="3464537610"/>
       </p:ext>
     </p:extLst>
   </p:cSld>
@@ -2159,7 +2159,7 @@
           <p:cNvPr id="2" name="标题 1">
             <a:extLst>
               <a:ext uri="{FF2B5EF4-FFF2-40B4-BE49-F238E27FC236}">
-                <a16:creationId xmlns:a16="http://schemas.microsoft.com/office/drawing/2014/main" id="{C84CF441-77CA-0CD1-C698-37B9374BB138}"/>
+                <a16:creationId xmlns:a16="http://schemas.microsoft.com/office/drawing/2014/main" id="{DE3E36DA-989B-4363-FF66-CFE45B8F3CA2}"/>
               </a:ext>
             </a:extLst>
           </p:cNvPr>
@@ -2196,7 +2196,7 @@
           <p:cNvPr id="3" name="内容占位符 2">
             <a:extLst>
               <a:ext uri="{FF2B5EF4-FFF2-40B4-BE49-F238E27FC236}">
-                <a16:creationId xmlns:a16="http://schemas.microsoft.com/office/drawing/2014/main" id="{53FB36F7-EAA4-4721-DF24-AD88749F421D}"/>
+                <a16:creationId xmlns:a16="http://schemas.microsoft.com/office/drawing/2014/main" id="{08CB0FDA-0B49-A895-FDDC-71A5A1A21F05}"/>
               </a:ext>
             </a:extLst>
           </p:cNvPr>
@@ -2286,7 +2286,7 @@
           <p:cNvPr id="4" name="文本占位符 3">
             <a:extLst>
               <a:ext uri="{FF2B5EF4-FFF2-40B4-BE49-F238E27FC236}">
-                <a16:creationId xmlns:a16="http://schemas.microsoft.com/office/drawing/2014/main" id="{A215B700-19CA-4DC7-CCC9-7FCB15DBD3A5}"/>
+                <a16:creationId xmlns:a16="http://schemas.microsoft.com/office/drawing/2014/main" id="{509CBD70-5227-D388-70BB-69FA3E6341D4}"/>
               </a:ext>
             </a:extLst>
           </p:cNvPr>
@@ -2357,7 +2357,7 @@
           <p:cNvPr id="5" name="日期占位符 4">
             <a:extLst>
               <a:ext uri="{FF2B5EF4-FFF2-40B4-BE49-F238E27FC236}">
-                <a16:creationId xmlns:a16="http://schemas.microsoft.com/office/drawing/2014/main" id="{4B3EADB3-9314-7609-1A58-4122A145CCDF}"/>
+                <a16:creationId xmlns:a16="http://schemas.microsoft.com/office/drawing/2014/main" id="{9CBA7087-0CBF-2F1D-5D00-A5DF7C1D1C73}"/>
               </a:ext>
             </a:extLst>
           </p:cNvPr>
@@ -2373,7 +2373,7 @@
           <a:bodyPr/>
           <a:lstStyle/>
           <a:p>
-            <a:fld id="{66C82A9A-6D95-4FDD-B330-054DA9C04926}" type="datetimeFigureOut">
+            <a:fld id="{0B41451B-61CA-4037-A55A-BA0025659104}" type="datetimeFigureOut">
               <a:rPr lang="zh-CN" altLang="en-US" smtClean="0"/>
               <a:t>2024/3/10</a:t>
             </a:fld>
@@ -2386,7 +2386,7 @@
           <p:cNvPr id="6" name="页脚占位符 5">
             <a:extLst>
               <a:ext uri="{FF2B5EF4-FFF2-40B4-BE49-F238E27FC236}">
-                <a16:creationId xmlns:a16="http://schemas.microsoft.com/office/drawing/2014/main" id="{6DC7F65D-E2A9-0676-DA88-9A299A945B83}"/>
+                <a16:creationId xmlns:a16="http://schemas.microsoft.com/office/drawing/2014/main" id="{F723E29D-69E6-367D-F7E0-416260D7512A}"/>
               </a:ext>
             </a:extLst>
           </p:cNvPr>
@@ -2411,7 +2411,7 @@
           <p:cNvPr id="7" name="灯片编号占位符 6">
             <a:extLst>
               <a:ext uri="{FF2B5EF4-FFF2-40B4-BE49-F238E27FC236}">
-                <a16:creationId xmlns:a16="http://schemas.microsoft.com/office/drawing/2014/main" id="{D0274AE4-5343-6D6F-CEF8-43536C69E446}"/>
+                <a16:creationId xmlns:a16="http://schemas.microsoft.com/office/drawing/2014/main" id="{E1A8C5D4-1060-3AF9-B83A-A7237082AE45}"/>
               </a:ext>
             </a:extLst>
           </p:cNvPr>
@@ -2427,7 +2427,7 @@
           <a:bodyPr/>
           <a:lstStyle/>
           <a:p>
-            <a:fld id="{E04F1C37-F79E-4410-AE5D-228AAD5CBBE2}" type="slidenum">
+            <a:fld id="{C2C4F7C5-E125-4F0D-82BC-CC9FDB2B3265}" type="slidenum">
               <a:rPr lang="zh-CN" altLang="en-US" smtClean="0"/>
               <a:t>‹#›</a:t>
             </a:fld>
@@ -2438,7 +2438,7 @@
     </p:spTree>
     <p:extLst>
       <p:ext uri="{BB962C8B-B14F-4D97-AF65-F5344CB8AC3E}">
-        <p14:creationId xmlns:p14="http://schemas.microsoft.com/office/powerpoint/2010/main" val="3353897130"/>
+        <p14:creationId xmlns:p14="http://schemas.microsoft.com/office/powerpoint/2010/main" val="3643470930"/>
       </p:ext>
     </p:extLst>
   </p:cSld>
@@ -2470,7 +2470,7 @@
           <p:cNvPr id="2" name="标题 1">
             <a:extLst>
               <a:ext uri="{FF2B5EF4-FFF2-40B4-BE49-F238E27FC236}">
-                <a16:creationId xmlns:a16="http://schemas.microsoft.com/office/drawing/2014/main" id="{B64C8A1F-3301-5F65-EDD5-EAE119DDAC64}"/>
+                <a16:creationId xmlns:a16="http://schemas.microsoft.com/office/drawing/2014/main" id="{2099109C-4C9F-3B85-B788-2B6B98D1D731}"/>
               </a:ext>
             </a:extLst>
           </p:cNvPr>
@@ -2507,7 +2507,7 @@
           <p:cNvPr id="3" name="图片占位符 2">
             <a:extLst>
               <a:ext uri="{FF2B5EF4-FFF2-40B4-BE49-F238E27FC236}">
-                <a16:creationId xmlns:a16="http://schemas.microsoft.com/office/drawing/2014/main" id="{36499126-4CD2-0E0E-CD31-2B328FEB52ED}"/>
+                <a16:creationId xmlns:a16="http://schemas.microsoft.com/office/drawing/2014/main" id="{DDF7DFDA-B045-25FA-9CB3-5A7F4AB280A9}"/>
               </a:ext>
             </a:extLst>
           </p:cNvPr>
@@ -2574,7 +2574,7 @@
           <p:cNvPr id="4" name="文本占位符 3">
             <a:extLst>
               <a:ext uri="{FF2B5EF4-FFF2-40B4-BE49-F238E27FC236}">
-                <a16:creationId xmlns:a16="http://schemas.microsoft.com/office/drawing/2014/main" id="{560872AE-1DDB-F0E1-A935-58B0B5C9E200}"/>
+                <a16:creationId xmlns:a16="http://schemas.microsoft.com/office/drawing/2014/main" id="{195E42E3-60D5-25C9-10F1-F0516CF5EDDB}"/>
               </a:ext>
             </a:extLst>
           </p:cNvPr>
@@ -2645,7 +2645,7 @@
           <p:cNvPr id="5" name="日期占位符 4">
             <a:extLst>
               <a:ext uri="{FF2B5EF4-FFF2-40B4-BE49-F238E27FC236}">
-                <a16:creationId xmlns:a16="http://schemas.microsoft.com/office/drawing/2014/main" id="{0836AACB-5BAA-C22D-2FB7-D719504384B4}"/>
+                <a16:creationId xmlns:a16="http://schemas.microsoft.com/office/drawing/2014/main" id="{83967E98-92C0-8E7A-F9C9-44D60B8714AA}"/>
               </a:ext>
             </a:extLst>
           </p:cNvPr>
@@ -2661,7 +2661,7 @@
           <a:bodyPr/>
           <a:lstStyle/>
           <a:p>
-            <a:fld id="{66C82A9A-6D95-4FDD-B330-054DA9C04926}" type="datetimeFigureOut">
+            <a:fld id="{0B41451B-61CA-4037-A55A-BA0025659104}" type="datetimeFigureOut">
               <a:rPr lang="zh-CN" altLang="en-US" smtClean="0"/>
               <a:t>2024/3/10</a:t>
             </a:fld>
@@ -2674,7 +2674,7 @@
           <p:cNvPr id="6" name="页脚占位符 5">
             <a:extLst>
               <a:ext uri="{FF2B5EF4-FFF2-40B4-BE49-F238E27FC236}">
-                <a16:creationId xmlns:a16="http://schemas.microsoft.com/office/drawing/2014/main" id="{FA2D9460-B3BE-01E4-2643-EF2B4D4764D8}"/>
+                <a16:creationId xmlns:a16="http://schemas.microsoft.com/office/drawing/2014/main" id="{34A8BFDB-E834-2A3C-0677-D89B8E9E0C3A}"/>
               </a:ext>
             </a:extLst>
           </p:cNvPr>
@@ -2699,7 +2699,7 @@
           <p:cNvPr id="7" name="灯片编号占位符 6">
             <a:extLst>
               <a:ext uri="{FF2B5EF4-FFF2-40B4-BE49-F238E27FC236}">
-                <a16:creationId xmlns:a16="http://schemas.microsoft.com/office/drawing/2014/main" id="{E3211DB6-E374-5250-A76F-CBAC96A63F53}"/>
+                <a16:creationId xmlns:a16="http://schemas.microsoft.com/office/drawing/2014/main" id="{A655E78A-4723-C115-3595-5059FED03892}"/>
               </a:ext>
             </a:extLst>
           </p:cNvPr>
@@ -2715,7 +2715,7 @@
           <a:bodyPr/>
           <a:lstStyle/>
           <a:p>
-            <a:fld id="{E04F1C37-F79E-4410-AE5D-228AAD5CBBE2}" type="slidenum">
+            <a:fld id="{C2C4F7C5-E125-4F0D-82BC-CC9FDB2B3265}" type="slidenum">
               <a:rPr lang="zh-CN" altLang="en-US" smtClean="0"/>
               <a:t>‹#›</a:t>
             </a:fld>
@@ -2726,7 +2726,7 @@
     </p:spTree>
     <p:extLst>
       <p:ext uri="{BB962C8B-B14F-4D97-AF65-F5344CB8AC3E}">
-        <p14:creationId xmlns:p14="http://schemas.microsoft.com/office/powerpoint/2010/main" val="2141861526"/>
+        <p14:creationId xmlns:p14="http://schemas.microsoft.com/office/powerpoint/2010/main" val="3387803914"/>
       </p:ext>
     </p:extLst>
   </p:cSld>
@@ -2763,7 +2763,7 @@
           <p:cNvPr id="2" name="标题占位符 1">
             <a:extLst>
               <a:ext uri="{FF2B5EF4-FFF2-40B4-BE49-F238E27FC236}">
-                <a16:creationId xmlns:a16="http://schemas.microsoft.com/office/drawing/2014/main" id="{41F68B7E-4CCA-3691-362A-2E916A462A53}"/>
+                <a16:creationId xmlns:a16="http://schemas.microsoft.com/office/drawing/2014/main" id="{109448A3-9848-B59F-0E18-BE6515652D55}"/>
               </a:ext>
             </a:extLst>
           </p:cNvPr>
@@ -2801,7 +2801,7 @@
           <p:cNvPr id="3" name="文本占位符 2">
             <a:extLst>
               <a:ext uri="{FF2B5EF4-FFF2-40B4-BE49-F238E27FC236}">
-                <a16:creationId xmlns:a16="http://schemas.microsoft.com/office/drawing/2014/main" id="{2BD0EBC1-BC7E-FD0F-BE9E-99674AD07052}"/>
+                <a16:creationId xmlns:a16="http://schemas.microsoft.com/office/drawing/2014/main" id="{C516DA4F-6F01-AD84-A080-7C09B1FFF36F}"/>
               </a:ext>
             </a:extLst>
           </p:cNvPr>
@@ -2868,7 +2868,7 @@
           <p:cNvPr id="4" name="日期占位符 3">
             <a:extLst>
               <a:ext uri="{FF2B5EF4-FFF2-40B4-BE49-F238E27FC236}">
-                <a16:creationId xmlns:a16="http://schemas.microsoft.com/office/drawing/2014/main" id="{BEDAB284-B0D5-CDBE-C12F-FD5DC8001BC6}"/>
+                <a16:creationId xmlns:a16="http://schemas.microsoft.com/office/drawing/2014/main" id="{411951EE-B164-AF61-A26B-6D3A04D138D5}"/>
               </a:ext>
             </a:extLst>
           </p:cNvPr>
@@ -2902,7 +2902,7 @@
             </a:lvl1pPr>
           </a:lstStyle>
           <a:p>
-            <a:fld id="{66C82A9A-6D95-4FDD-B330-054DA9C04926}" type="datetimeFigureOut">
+            <a:fld id="{0B41451B-61CA-4037-A55A-BA0025659104}" type="datetimeFigureOut">
               <a:rPr lang="zh-CN" altLang="en-US" smtClean="0"/>
               <a:t>2024/3/10</a:t>
             </a:fld>
@@ -2915,7 +2915,7 @@
           <p:cNvPr id="5" name="页脚占位符 4">
             <a:extLst>
               <a:ext uri="{FF2B5EF4-FFF2-40B4-BE49-F238E27FC236}">
-                <a16:creationId xmlns:a16="http://schemas.microsoft.com/office/drawing/2014/main" id="{F2DDAC1A-BC1F-C408-CFF5-64629273CA26}"/>
+                <a16:creationId xmlns:a16="http://schemas.microsoft.com/office/drawing/2014/main" id="{8BEF1C45-FF5B-894D-3C4B-4096936A2F06}"/>
               </a:ext>
             </a:extLst>
           </p:cNvPr>
@@ -2958,7 +2958,7 @@
           <p:cNvPr id="6" name="灯片编号占位符 5">
             <a:extLst>
               <a:ext uri="{FF2B5EF4-FFF2-40B4-BE49-F238E27FC236}">
-                <a16:creationId xmlns:a16="http://schemas.microsoft.com/office/drawing/2014/main" id="{E72F5768-6327-BBB7-489B-D5BC0C4ECF57}"/>
+                <a16:creationId xmlns:a16="http://schemas.microsoft.com/office/drawing/2014/main" id="{068A2EED-A427-D4B1-5F13-462823F4BFB4}"/>
               </a:ext>
             </a:extLst>
           </p:cNvPr>
@@ -2992,7 +2992,7 @@
             </a:lvl1pPr>
           </a:lstStyle>
           <a:p>
-            <a:fld id="{E04F1C37-F79E-4410-AE5D-228AAD5CBBE2}" type="slidenum">
+            <a:fld id="{C2C4F7C5-E125-4F0D-82BC-CC9FDB2B3265}" type="slidenum">
               <a:rPr lang="zh-CN" altLang="en-US" smtClean="0"/>
               <a:t>‹#›</a:t>
             </a:fld>
@@ -3003,7 +3003,7 @@
     </p:spTree>
     <p:extLst>
       <p:ext uri="{BB962C8B-B14F-4D97-AF65-F5344CB8AC3E}">
-        <p14:creationId xmlns:p14="http://schemas.microsoft.com/office/powerpoint/2010/main" val="1916383677"/>
+        <p14:creationId xmlns:p14="http://schemas.microsoft.com/office/powerpoint/2010/main" val="129361938"/>
       </p:ext>
     </p:extLst>
   </p:cSld>
@@ -3323,7 +3323,7 @@
       </p:grpSpPr>
       <p:pic>
         <p:nvPicPr>
-          <p:cNvPr id="299010" name="Picture 2" descr="291"/>
+          <p:cNvPr id="300034" name="Picture 2" descr="292"/>
           <p:cNvPicPr>
             <a:picLocks noChangeAspect="1" noChangeArrowheads="1"/>
           </p:cNvPicPr>
@@ -3344,8 +3344,8 @@
         </p:blipFill>
         <p:spPr bwMode="auto">
           <a:xfrm>
-            <a:off x="1524000" y="0"/>
-            <a:ext cx="9144000" cy="6858000"/>
+            <a:off x="1524000" y="1"/>
+            <a:ext cx="9144000" cy="5661025"/>
           </a:xfrm>
           <a:prstGeom prst="rect">
             <a:avLst/>
